--- a/portfolio/HR_Analysis/Salifort Motors Executive Summary.pptx
+++ b/portfolio/HR_Analysis/Salifort Motors Executive Summary.pptx
@@ -5,61 +5,60 @@
     <p:sldMasterId id="2147483654" r:id="rId1"/>
   </p:sldMasterIdLst>
   <p:notesMasterIdLst>
-    <p:notesMasterId r:id="rId4"/>
+    <p:notesMasterId r:id="rId3"/>
   </p:notesMasterIdLst>
   <p:sldIdLst>
-    <p:sldId id="256" r:id="rId2"/>
-    <p:sldId id="257" r:id="rId3"/>
+    <p:sldId id="257" r:id="rId2"/>
   </p:sldIdLst>
   <p:sldSz cx="7772400" cy="10058400"/>
   <p:notesSz cx="6858000" cy="9144000"/>
   <p:embeddedFontLst>
     <p:embeddedFont>
       <p:font typeface="Calibri" panose="020F0502020204030204" pitchFamily="34" charset="0"/>
-      <p:regular r:id="rId5"/>
-      <p:bold r:id="rId6"/>
-      <p:italic r:id="rId7"/>
-      <p:boldItalic r:id="rId8"/>
+      <p:regular r:id="rId4"/>
+      <p:bold r:id="rId5"/>
+      <p:italic r:id="rId6"/>
+      <p:boldItalic r:id="rId7"/>
     </p:embeddedFont>
     <p:embeddedFont>
       <p:font typeface="Google Sans" panose="020B0604020202020204" charset="0"/>
-      <p:regular r:id="rId9"/>
-      <p:bold r:id="rId10"/>
-      <p:italic r:id="rId11"/>
-      <p:boldItalic r:id="rId12"/>
+      <p:regular r:id="rId8"/>
+      <p:bold r:id="rId9"/>
+      <p:italic r:id="rId10"/>
+      <p:boldItalic r:id="rId11"/>
     </p:embeddedFont>
     <p:embeddedFont>
       <p:font typeface="Google Sans SemiBold" panose="020B0604020202020204" charset="0"/>
-      <p:regular r:id="rId13"/>
-      <p:bold r:id="rId14"/>
-      <p:italic r:id="rId15"/>
-      <p:boldItalic r:id="rId16"/>
+      <p:regular r:id="rId12"/>
+      <p:bold r:id="rId13"/>
+      <p:italic r:id="rId14"/>
+      <p:boldItalic r:id="rId15"/>
     </p:embeddedFont>
     <p:embeddedFont>
       <p:font typeface="Lato" panose="020B0604020202020204" charset="0"/>
-      <p:regular r:id="rId17"/>
-      <p:bold r:id="rId18"/>
-      <p:italic r:id="rId19"/>
-      <p:boldItalic r:id="rId20"/>
+      <p:regular r:id="rId16"/>
+      <p:bold r:id="rId17"/>
+      <p:italic r:id="rId18"/>
+      <p:boldItalic r:id="rId19"/>
     </p:embeddedFont>
     <p:embeddedFont>
       <p:font typeface="PT Sans Narrow" panose="020B0604020202020204" charset="0"/>
-      <p:regular r:id="rId21"/>
-      <p:bold r:id="rId22"/>
+      <p:regular r:id="rId20"/>
+      <p:bold r:id="rId21"/>
     </p:embeddedFont>
     <p:embeddedFont>
       <p:font typeface="Roboto" panose="020B0604020202020204" charset="0"/>
-      <p:regular r:id="rId23"/>
-      <p:bold r:id="rId24"/>
-      <p:italic r:id="rId25"/>
-      <p:boldItalic r:id="rId26"/>
+      <p:regular r:id="rId22"/>
+      <p:bold r:id="rId23"/>
+      <p:italic r:id="rId24"/>
+      <p:boldItalic r:id="rId25"/>
     </p:embeddedFont>
     <p:embeddedFont>
       <p:font typeface="Work Sans" panose="020B0604020202020204" charset="0"/>
-      <p:regular r:id="rId27"/>
-      <p:bold r:id="rId28"/>
-      <p:italic r:id="rId29"/>
-      <p:boldItalic r:id="rId30"/>
+      <p:regular r:id="rId26"/>
+      <p:bold r:id="rId27"/>
+      <p:italic r:id="rId28"/>
+      <p:boldItalic r:id="rId29"/>
     </p:embeddedFont>
   </p:embeddedFontLst>
   <p:defaultTextStyle>
@@ -752,110 +751,6 @@
 </file>
 
 <file path=ppt/notesSlides/notesSlide1.xml><?xml version="1.0" encoding="utf-8"?>
-<p:notes xmlns:a="http://schemas.openxmlformats.org/drawingml/2006/main" xmlns:r="http://schemas.openxmlformats.org/officeDocument/2006/relationships" xmlns:p="http://schemas.openxmlformats.org/presentationml/2006/main" showMasterSp="0" showMasterPhAnim="0">
-  <p:cSld>
-    <p:spTree>
-      <p:nvGrpSpPr>
-        <p:cNvPr id="1" name="Shape 185"/>
-        <p:cNvGrpSpPr/>
-        <p:nvPr/>
-      </p:nvGrpSpPr>
-      <p:grpSpPr>
-        <a:xfrm>
-          <a:off x="0" y="0"/>
-          <a:ext cx="0" cy="0"/>
-          <a:chOff x="0" y="0"/>
-          <a:chExt cx="0" cy="0"/>
-        </a:xfrm>
-      </p:grpSpPr>
-      <p:sp>
-        <p:nvSpPr>
-          <p:cNvPr id="186" name="Google Shape;186;g1512140ae02_0_134:notes"/>
-          <p:cNvSpPr>
-            <a:spLocks noGrp="1" noRot="1" noChangeAspect="1"/>
-          </p:cNvSpPr>
-          <p:nvPr>
-            <p:ph type="sldImg" idx="2"/>
-          </p:nvPr>
-        </p:nvSpPr>
-        <p:spPr>
-          <a:xfrm>
-            <a:off x="2105025" y="685800"/>
-            <a:ext cx="2649538" cy="3429000"/>
-          </a:xfrm>
-          <a:custGeom>
-            <a:avLst/>
-            <a:gdLst/>
-            <a:ahLst/>
-            <a:cxnLst/>
-            <a:rect l="l" t="t" r="r" b="b"/>
-            <a:pathLst>
-              <a:path w="120000" h="120000" extrusionOk="0">
-                <a:moveTo>
-                  <a:pt x="0" y="0"/>
-                </a:moveTo>
-                <a:lnTo>
-                  <a:pt x="120000" y="0"/>
-                </a:lnTo>
-                <a:lnTo>
-                  <a:pt x="120000" y="120000"/>
-                </a:lnTo>
-                <a:lnTo>
-                  <a:pt x="0" y="120000"/>
-                </a:lnTo>
-                <a:close/>
-              </a:path>
-            </a:pathLst>
-          </a:custGeom>
-        </p:spPr>
-      </p:sp>
-      <p:sp>
-        <p:nvSpPr>
-          <p:cNvPr id="187" name="Google Shape;187;g1512140ae02_0_134:notes"/>
-          <p:cNvSpPr txBox="1">
-            <a:spLocks noGrp="1"/>
-          </p:cNvSpPr>
-          <p:nvPr>
-            <p:ph type="body" idx="1"/>
-          </p:nvPr>
-        </p:nvSpPr>
-        <p:spPr>
-          <a:xfrm>
-            <a:off x="685800" y="4343400"/>
-            <a:ext cx="5486400" cy="4114800"/>
-          </a:xfrm>
-          <a:prstGeom prst="rect">
-            <a:avLst/>
-          </a:prstGeom>
-        </p:spPr>
-        <p:txBody>
-          <a:bodyPr spcFirstLastPara="1" wrap="square" lIns="91425" tIns="91425" rIns="91425" bIns="91425" anchor="t" anchorCtr="0">
-            <a:noAutofit/>
-          </a:bodyPr>
-          <a:lstStyle/>
-          <a:p>
-            <a:pPr marL="0" lvl="0" indent="0" algn="l" rtl="0">
-              <a:spcBef>
-                <a:spcPts val="0"/>
-              </a:spcBef>
-              <a:spcAft>
-                <a:spcPts val="0"/>
-              </a:spcAft>
-              <a:buNone/>
-            </a:pPr>
-            <a:endParaRPr/>
-          </a:p>
-        </p:txBody>
-      </p:sp>
-    </p:spTree>
-  </p:cSld>
-  <p:clrMapOvr>
-    <a:masterClrMapping/>
-  </p:clrMapOvr>
-</p:notes>
-</file>
-
-<file path=ppt/notesSlides/notesSlide2.xml><?xml version="1.0" encoding="utf-8"?>
 <p:notes xmlns:a="http://schemas.openxmlformats.org/drawingml/2006/main" xmlns:r="http://schemas.openxmlformats.org/officeDocument/2006/relationships" xmlns:p="http://schemas.openxmlformats.org/presentationml/2006/main" showMasterSp="0" showMasterPhAnim="0">
   <p:cSld>
     <p:spTree>
@@ -9850,979 +9745,6 @@
         <p:spPr>
           <a:xfrm>
             <a:off x="100575" y="1257300"/>
-            <a:ext cx="2883300" cy="1477500"/>
-          </a:xfrm>
-          <a:prstGeom prst="rect">
-            <a:avLst/>
-          </a:prstGeom>
-          <a:noFill/>
-          <a:ln>
-            <a:noFill/>
-          </a:ln>
-        </p:spPr>
-        <p:txBody>
-          <a:bodyPr spcFirstLastPara="1" wrap="square" lIns="91425" tIns="91425" rIns="91425" bIns="91425" anchor="t" anchorCtr="0">
-            <a:spAutoFit/>
-          </a:bodyPr>
-          <a:lstStyle/>
-          <a:p>
-            <a:pPr marL="0" lvl="0" indent="0" algn="l" rtl="0">
-              <a:spcBef>
-                <a:spcPts val="0"/>
-              </a:spcBef>
-              <a:spcAft>
-                <a:spcPts val="0"/>
-              </a:spcAft>
-              <a:buNone/>
-            </a:pPr>
-            <a:r>
-              <a:rPr lang="en" dirty="0">
-                <a:latin typeface="Google Sans"/>
-                <a:ea typeface="Google Sans"/>
-                <a:cs typeface="Google Sans"/>
-                <a:sym typeface="Google Sans"/>
-              </a:rPr>
-              <a:t>Salifort Motors seeks to improve employee retention and answer the following question:</a:t>
-            </a:r>
-            <a:endParaRPr dirty="0">
-              <a:latin typeface="Google Sans"/>
-              <a:ea typeface="Google Sans"/>
-              <a:cs typeface="Google Sans"/>
-              <a:sym typeface="Google Sans"/>
-            </a:endParaRPr>
-          </a:p>
-          <a:p>
-            <a:pPr marL="0" lvl="0" indent="0" algn="l" rtl="0">
-              <a:spcBef>
-                <a:spcPts val="0"/>
-              </a:spcBef>
-              <a:spcAft>
-                <a:spcPts val="0"/>
-              </a:spcAft>
-              <a:buNone/>
-            </a:pPr>
-            <a:endParaRPr b="1" dirty="0">
-              <a:latin typeface="Google Sans"/>
-              <a:ea typeface="Google Sans"/>
-              <a:cs typeface="Google Sans"/>
-              <a:sym typeface="Google Sans"/>
-            </a:endParaRPr>
-          </a:p>
-          <a:p>
-            <a:pPr marL="0" lvl="0" indent="0" algn="l" rtl="0">
-              <a:spcBef>
-                <a:spcPts val="0"/>
-              </a:spcBef>
-              <a:spcAft>
-                <a:spcPts val="0"/>
-              </a:spcAft>
-              <a:buNone/>
-            </a:pPr>
-            <a:r>
-              <a:rPr lang="en" b="1" dirty="0">
-                <a:latin typeface="Google Sans"/>
-                <a:ea typeface="Google Sans"/>
-                <a:cs typeface="Google Sans"/>
-                <a:sym typeface="Google Sans"/>
-              </a:rPr>
-              <a:t>What’s likely to make the employee leave the company?</a:t>
-            </a:r>
-            <a:endParaRPr b="1" dirty="0">
-              <a:latin typeface="Google Sans"/>
-              <a:ea typeface="Google Sans"/>
-              <a:cs typeface="Google Sans"/>
-              <a:sym typeface="Google Sans"/>
-            </a:endParaRPr>
-          </a:p>
-        </p:txBody>
-      </p:sp>
-      <p:sp>
-        <p:nvSpPr>
-          <p:cNvPr id="190" name="Google Shape;190;p8"/>
-          <p:cNvSpPr txBox="1"/>
-          <p:nvPr/>
-        </p:nvSpPr>
-        <p:spPr>
-          <a:xfrm>
-            <a:off x="100" y="67050"/>
-            <a:ext cx="7772400" cy="569400"/>
-          </a:xfrm>
-          <a:prstGeom prst="rect">
-            <a:avLst/>
-          </a:prstGeom>
-          <a:noFill/>
-          <a:ln>
-            <a:noFill/>
-          </a:ln>
-        </p:spPr>
-        <p:txBody>
-          <a:bodyPr spcFirstLastPara="1" wrap="square" lIns="91425" tIns="91425" rIns="91425" bIns="91425" anchor="t" anchorCtr="0">
-            <a:spAutoFit/>
-          </a:bodyPr>
-          <a:lstStyle/>
-          <a:p>
-            <a:pPr marL="0" lvl="0" indent="0" algn="ctr" rtl="0">
-              <a:spcBef>
-                <a:spcPts val="0"/>
-              </a:spcBef>
-              <a:spcAft>
-                <a:spcPts val="0"/>
-              </a:spcAft>
-              <a:buNone/>
-            </a:pPr>
-            <a:r>
-              <a:rPr lang="en" sz="2500" b="1">
-                <a:latin typeface="Google Sans"/>
-                <a:ea typeface="Google Sans"/>
-                <a:cs typeface="Google Sans"/>
-                <a:sym typeface="Google Sans"/>
-              </a:rPr>
-              <a:t>Salifort Motors</a:t>
-            </a:r>
-            <a:endParaRPr sz="2500" b="1">
-              <a:latin typeface="Google Sans"/>
-              <a:ea typeface="Google Sans"/>
-              <a:cs typeface="Google Sans"/>
-              <a:sym typeface="Google Sans"/>
-            </a:endParaRPr>
-          </a:p>
-        </p:txBody>
-      </p:sp>
-      <p:sp>
-        <p:nvSpPr>
-          <p:cNvPr id="191" name="Google Shape;191;p8"/>
-          <p:cNvSpPr txBox="1"/>
-          <p:nvPr/>
-        </p:nvSpPr>
-        <p:spPr>
-          <a:xfrm>
-            <a:off x="1763100" y="490850"/>
-            <a:ext cx="4246200" cy="369300"/>
-          </a:xfrm>
-          <a:prstGeom prst="rect">
-            <a:avLst/>
-          </a:prstGeom>
-          <a:noFill/>
-          <a:ln>
-            <a:noFill/>
-          </a:ln>
-        </p:spPr>
-        <p:txBody>
-          <a:bodyPr spcFirstLastPara="1" wrap="square" lIns="91425" tIns="91425" rIns="91425" bIns="91425" anchor="t" anchorCtr="0">
-            <a:spAutoFit/>
-          </a:bodyPr>
-          <a:lstStyle/>
-          <a:p>
-            <a:pPr marL="0" lvl="0" indent="0" algn="ctr" rtl="0">
-              <a:lnSpc>
-                <a:spcPct val="115000"/>
-              </a:lnSpc>
-              <a:spcBef>
-                <a:spcPts val="0"/>
-              </a:spcBef>
-              <a:spcAft>
-                <a:spcPts val="1200"/>
-              </a:spcAft>
-              <a:buNone/>
-            </a:pPr>
-            <a:r>
-              <a:rPr lang="en" sz="1200">
-                <a:latin typeface="PT Sans Narrow"/>
-                <a:ea typeface="PT Sans Narrow"/>
-                <a:cs typeface="PT Sans Narrow"/>
-                <a:sym typeface="PT Sans Narrow"/>
-              </a:rPr>
-              <a:t>Employee Retention Project </a:t>
-            </a:r>
-            <a:endParaRPr sz="1200">
-              <a:solidFill>
-                <a:srgbClr val="000000"/>
-              </a:solidFill>
-              <a:latin typeface="PT Sans Narrow"/>
-              <a:ea typeface="PT Sans Narrow"/>
-              <a:cs typeface="PT Sans Narrow"/>
-              <a:sym typeface="PT Sans Narrow"/>
-            </a:endParaRPr>
-          </a:p>
-        </p:txBody>
-      </p:sp>
-      <p:pic>
-        <p:nvPicPr>
-          <p:cNvPr id="192" name="Google Shape;192;p8"/>
-          <p:cNvPicPr preferRelativeResize="0"/>
-          <p:nvPr/>
-        </p:nvPicPr>
-        <p:blipFill rotWithShape="1">
-          <a:blip r:embed="rId3">
-            <a:alphaModFix/>
-          </a:blip>
-          <a:srcRect t="1997" b="1987"/>
-          <a:stretch/>
-        </p:blipFill>
-        <p:spPr>
-          <a:xfrm>
-            <a:off x="3181000" y="4405600"/>
-            <a:ext cx="4136999" cy="2248900"/>
-          </a:xfrm>
-          <a:prstGeom prst="rect">
-            <a:avLst/>
-          </a:prstGeom>
-          <a:noFill/>
-          <a:ln>
-            <a:noFill/>
-          </a:ln>
-        </p:spPr>
-      </p:pic>
-      <p:pic>
-        <p:nvPicPr>
-          <p:cNvPr id="193" name="Google Shape;193;p8"/>
-          <p:cNvPicPr preferRelativeResize="0"/>
-          <p:nvPr/>
-        </p:nvPicPr>
-        <p:blipFill rotWithShape="1">
-          <a:blip r:embed="rId4">
-            <a:alphaModFix/>
-          </a:blip>
-          <a:srcRect l="2235" r="2244"/>
-          <a:stretch/>
-        </p:blipFill>
-        <p:spPr>
-          <a:xfrm>
-            <a:off x="3145200" y="995300"/>
-            <a:ext cx="4426424" cy="2581650"/>
-          </a:xfrm>
-          <a:prstGeom prst="rect">
-            <a:avLst/>
-          </a:prstGeom>
-          <a:noFill/>
-          <a:ln>
-            <a:noFill/>
-          </a:ln>
-        </p:spPr>
-      </p:pic>
-      <p:sp>
-        <p:nvSpPr>
-          <p:cNvPr id="194" name="Google Shape;194;p8"/>
-          <p:cNvSpPr txBox="1"/>
-          <p:nvPr/>
-        </p:nvSpPr>
-        <p:spPr>
-          <a:xfrm>
-            <a:off x="3257550" y="3522700"/>
-            <a:ext cx="4314000" cy="285000"/>
-          </a:xfrm>
-          <a:prstGeom prst="rect">
-            <a:avLst/>
-          </a:prstGeom>
-          <a:noFill/>
-          <a:ln>
-            <a:noFill/>
-          </a:ln>
-        </p:spPr>
-        <p:txBody>
-          <a:bodyPr spcFirstLastPara="1" wrap="square" lIns="91425" tIns="91425" rIns="91425" bIns="91425" anchor="t" anchorCtr="0">
-            <a:noAutofit/>
-          </a:bodyPr>
-          <a:lstStyle/>
-          <a:p>
-            <a:pPr marL="0" lvl="0" indent="0" algn="l" rtl="0">
-              <a:lnSpc>
-                <a:spcPct val="115714"/>
-              </a:lnSpc>
-              <a:spcBef>
-                <a:spcPts val="0"/>
-              </a:spcBef>
-              <a:spcAft>
-                <a:spcPts val="0"/>
-              </a:spcAft>
-              <a:buSzPts val="275"/>
-              <a:buNone/>
-            </a:pPr>
-            <a:r>
-              <a:rPr lang="en" sz="1000" b="1">
-                <a:solidFill>
-                  <a:schemeClr val="dk1"/>
-                </a:solidFill>
-                <a:highlight>
-                  <a:srgbClr val="FFFFFE"/>
-                </a:highlight>
-                <a:latin typeface="Google Sans"/>
-                <a:ea typeface="Google Sans"/>
-                <a:cs typeface="Google Sans"/>
-                <a:sym typeface="Google Sans"/>
-              </a:rPr>
-              <a:t>Barplot above shows the most relevant variables: </a:t>
-            </a:r>
-            <a:r>
-              <a:rPr lang="en" sz="1000" b="1" i="1">
-                <a:solidFill>
-                  <a:schemeClr val="dk1"/>
-                </a:solidFill>
-                <a:highlight>
-                  <a:srgbClr val="FFFFFE"/>
-                </a:highlight>
-                <a:latin typeface="Google Sans"/>
-                <a:ea typeface="Google Sans"/>
-                <a:cs typeface="Google Sans"/>
-                <a:sym typeface="Google Sans"/>
-              </a:rPr>
-              <a:t>‘last_evaluation’, ‘number_project’,  ‘tenure’ </a:t>
-            </a:r>
-            <a:r>
-              <a:rPr lang="en" sz="1000" b="1">
-                <a:solidFill>
-                  <a:schemeClr val="dk1"/>
-                </a:solidFill>
-                <a:highlight>
-                  <a:srgbClr val="FFFFFE"/>
-                </a:highlight>
-                <a:latin typeface="Google Sans"/>
-                <a:ea typeface="Google Sans"/>
-                <a:cs typeface="Google Sans"/>
-                <a:sym typeface="Google Sans"/>
-              </a:rPr>
-              <a:t>and</a:t>
-            </a:r>
-            <a:r>
-              <a:rPr lang="en" sz="1000" b="1" i="1">
-                <a:solidFill>
-                  <a:schemeClr val="dk1"/>
-                </a:solidFill>
-                <a:highlight>
-                  <a:srgbClr val="FFFFFE"/>
-                </a:highlight>
-                <a:latin typeface="Google Sans"/>
-                <a:ea typeface="Google Sans"/>
-                <a:cs typeface="Google Sans"/>
-                <a:sym typeface="Google Sans"/>
-              </a:rPr>
-              <a:t> ‘overworked’.</a:t>
-            </a:r>
-            <a:endParaRPr sz="1000" b="1" i="1">
-              <a:latin typeface="Google Sans"/>
-              <a:ea typeface="Google Sans"/>
-              <a:cs typeface="Google Sans"/>
-              <a:sym typeface="Google Sans"/>
-            </a:endParaRPr>
-          </a:p>
-        </p:txBody>
-      </p:sp>
-      <p:sp>
-        <p:nvSpPr>
-          <p:cNvPr id="195" name="Google Shape;195;p8"/>
-          <p:cNvSpPr txBox="1"/>
-          <p:nvPr/>
-        </p:nvSpPr>
-        <p:spPr>
-          <a:xfrm>
-            <a:off x="3257550" y="6698850"/>
-            <a:ext cx="4060500" cy="285000"/>
-          </a:xfrm>
-          <a:prstGeom prst="rect">
-            <a:avLst/>
-          </a:prstGeom>
-          <a:noFill/>
-          <a:ln>
-            <a:noFill/>
-          </a:ln>
-        </p:spPr>
-        <p:txBody>
-          <a:bodyPr spcFirstLastPara="1" wrap="square" lIns="91425" tIns="91425" rIns="91425" bIns="91425" anchor="t" anchorCtr="0">
-            <a:noAutofit/>
-          </a:bodyPr>
-          <a:lstStyle/>
-          <a:p>
-            <a:pPr marL="0" lvl="0" indent="0" algn="l" rtl="0">
-              <a:lnSpc>
-                <a:spcPct val="105000"/>
-              </a:lnSpc>
-              <a:spcBef>
-                <a:spcPts val="0"/>
-              </a:spcBef>
-              <a:spcAft>
-                <a:spcPts val="0"/>
-              </a:spcAft>
-              <a:buNone/>
-            </a:pPr>
-            <a:r>
-              <a:rPr lang="en" sz="1000" b="1">
-                <a:latin typeface="Google Sans"/>
-                <a:ea typeface="Google Sans"/>
-                <a:cs typeface="Google Sans"/>
-                <a:sym typeface="Google Sans"/>
-              </a:rPr>
-              <a:t>In the random forest model above, </a:t>
-            </a:r>
-            <a:r>
-              <a:rPr lang="en" sz="1000" b="1" i="1">
-                <a:latin typeface="Google Sans"/>
-                <a:ea typeface="Google Sans"/>
-                <a:cs typeface="Google Sans"/>
-                <a:sym typeface="Google Sans"/>
-              </a:rPr>
-              <a:t>`last_evaluation`, `tenure`, `number_project`, `overworked`, `salary_low`, </a:t>
-            </a:r>
-            <a:r>
-              <a:rPr lang="en" sz="1000" b="1">
-                <a:latin typeface="Google Sans"/>
-                <a:ea typeface="Google Sans"/>
-                <a:cs typeface="Google Sans"/>
-                <a:sym typeface="Google Sans"/>
-              </a:rPr>
-              <a:t>and</a:t>
-            </a:r>
-            <a:r>
-              <a:rPr lang="en" sz="1000" b="1" i="1">
-                <a:latin typeface="Google Sans"/>
-                <a:ea typeface="Google Sans"/>
-                <a:cs typeface="Google Sans"/>
-                <a:sym typeface="Google Sans"/>
-              </a:rPr>
-              <a:t> `work_accident` </a:t>
-            </a:r>
-            <a:r>
-              <a:rPr lang="en" sz="1000" b="1">
-                <a:latin typeface="Google Sans"/>
-                <a:ea typeface="Google Sans"/>
-                <a:cs typeface="Google Sans"/>
-                <a:sym typeface="Google Sans"/>
-              </a:rPr>
-              <a:t>have the highest importance. These variables are most helpful in predicting the outcome variable,</a:t>
-            </a:r>
-            <a:r>
-              <a:rPr lang="en" sz="1000" b="1" i="1">
-                <a:latin typeface="Google Sans"/>
-                <a:ea typeface="Google Sans"/>
-                <a:cs typeface="Google Sans"/>
-                <a:sym typeface="Google Sans"/>
-              </a:rPr>
-              <a:t> `left`.</a:t>
-            </a:r>
-            <a:endParaRPr sz="1000" b="1" i="1">
-              <a:solidFill>
-                <a:srgbClr val="000000"/>
-              </a:solidFill>
-              <a:latin typeface="Google Sans"/>
-              <a:ea typeface="Google Sans"/>
-              <a:cs typeface="Google Sans"/>
-              <a:sym typeface="Google Sans"/>
-            </a:endParaRPr>
-          </a:p>
-        </p:txBody>
-      </p:sp>
-      <p:sp>
-        <p:nvSpPr>
-          <p:cNvPr id="196" name="Google Shape;196;p8"/>
-          <p:cNvSpPr txBox="1"/>
-          <p:nvPr/>
-        </p:nvSpPr>
-        <p:spPr>
-          <a:xfrm>
-            <a:off x="100575" y="3295650"/>
-            <a:ext cx="2883300" cy="2124000"/>
-          </a:xfrm>
-          <a:prstGeom prst="rect">
-            <a:avLst/>
-          </a:prstGeom>
-          <a:noFill/>
-          <a:ln>
-            <a:noFill/>
-          </a:ln>
-        </p:spPr>
-        <p:txBody>
-          <a:bodyPr spcFirstLastPara="1" wrap="square" lIns="91425" tIns="91425" rIns="91425" bIns="91425" anchor="t" anchorCtr="0">
-            <a:spAutoFit/>
-          </a:bodyPr>
-          <a:lstStyle/>
-          <a:p>
-            <a:pPr marL="0" lvl="0" indent="0" algn="l" rtl="0">
-              <a:spcBef>
-                <a:spcPts val="0"/>
-              </a:spcBef>
-              <a:spcAft>
-                <a:spcPts val="0"/>
-              </a:spcAft>
-              <a:buNone/>
-            </a:pPr>
-            <a:r>
-              <a:rPr lang="en">
-                <a:solidFill>
-                  <a:schemeClr val="accent2"/>
-                </a:solidFill>
-                <a:highlight>
-                  <a:srgbClr val="FFFFFF"/>
-                </a:highlight>
-                <a:latin typeface="Google Sans"/>
-                <a:ea typeface="Google Sans"/>
-                <a:cs typeface="Google Sans"/>
-                <a:sym typeface="Google Sans"/>
-              </a:rPr>
-              <a:t>Since the variable we are seeking to predict is categorical, the team could build either a logistic regression or a tree-based machine learning model.</a:t>
-            </a:r>
-            <a:endParaRPr>
-              <a:solidFill>
-                <a:schemeClr val="accent2"/>
-              </a:solidFill>
-              <a:highlight>
-                <a:srgbClr val="FFFFFF"/>
-              </a:highlight>
-              <a:latin typeface="Google Sans"/>
-              <a:ea typeface="Google Sans"/>
-              <a:cs typeface="Google Sans"/>
-              <a:sym typeface="Google Sans"/>
-            </a:endParaRPr>
-          </a:p>
-          <a:p>
-            <a:pPr marL="0" lvl="0" indent="0" algn="l" rtl="0">
-              <a:spcBef>
-                <a:spcPts val="0"/>
-              </a:spcBef>
-              <a:spcAft>
-                <a:spcPts val="0"/>
-              </a:spcAft>
-              <a:buNone/>
-            </a:pPr>
-            <a:endParaRPr>
-              <a:solidFill>
-                <a:schemeClr val="accent2"/>
-              </a:solidFill>
-              <a:highlight>
-                <a:srgbClr val="FFFFFF"/>
-              </a:highlight>
-              <a:latin typeface="Google Sans"/>
-              <a:ea typeface="Google Sans"/>
-              <a:cs typeface="Google Sans"/>
-              <a:sym typeface="Google Sans"/>
-            </a:endParaRPr>
-          </a:p>
-          <a:p>
-            <a:pPr marL="0" lvl="0" indent="0" algn="l" rtl="0">
-              <a:spcBef>
-                <a:spcPts val="0"/>
-              </a:spcBef>
-              <a:spcAft>
-                <a:spcPts val="0"/>
-              </a:spcAft>
-              <a:buNone/>
-            </a:pPr>
-            <a:r>
-              <a:rPr lang="en">
-                <a:solidFill>
-                  <a:schemeClr val="accent2"/>
-                </a:solidFill>
-                <a:highlight>
-                  <a:srgbClr val="FFFFFF"/>
-                </a:highlight>
-                <a:latin typeface="Google Sans"/>
-                <a:ea typeface="Google Sans"/>
-                <a:cs typeface="Google Sans"/>
-                <a:sym typeface="Google Sans"/>
-              </a:rPr>
-              <a:t>The random forest model slightly outperforms the decision tree model.</a:t>
-            </a:r>
-            <a:endParaRPr>
-              <a:solidFill>
-                <a:schemeClr val="accent2"/>
-              </a:solidFill>
-              <a:highlight>
-                <a:srgbClr val="FFFFFF"/>
-              </a:highlight>
-              <a:latin typeface="Google Sans"/>
-              <a:ea typeface="Google Sans"/>
-              <a:cs typeface="Google Sans"/>
-              <a:sym typeface="Google Sans"/>
-            </a:endParaRPr>
-          </a:p>
-        </p:txBody>
-      </p:sp>
-      <p:sp>
-        <p:nvSpPr>
-          <p:cNvPr id="197" name="Google Shape;197;p8"/>
-          <p:cNvSpPr txBox="1"/>
-          <p:nvPr/>
-        </p:nvSpPr>
-        <p:spPr>
-          <a:xfrm>
-            <a:off x="100575" y="5783025"/>
-            <a:ext cx="2883300" cy="1477500"/>
-          </a:xfrm>
-          <a:prstGeom prst="rect">
-            <a:avLst/>
-          </a:prstGeom>
-          <a:noFill/>
-          <a:ln>
-            <a:noFill/>
-          </a:ln>
-        </p:spPr>
-        <p:txBody>
-          <a:bodyPr spcFirstLastPara="1" wrap="square" lIns="91425" tIns="91425" rIns="91425" bIns="91425" anchor="t" anchorCtr="0">
-            <a:spAutoFit/>
-          </a:bodyPr>
-          <a:lstStyle/>
-          <a:p>
-            <a:pPr marL="0" lvl="0" indent="0" algn="l" rtl="0">
-              <a:spcBef>
-                <a:spcPts val="0"/>
-              </a:spcBef>
-              <a:spcAft>
-                <a:spcPts val="0"/>
-              </a:spcAft>
-              <a:buNone/>
-            </a:pPr>
-            <a:r>
-              <a:rPr lang="en">
-                <a:solidFill>
-                  <a:schemeClr val="accent2"/>
-                </a:solidFill>
-                <a:highlight>
-                  <a:srgbClr val="FFFFFF"/>
-                </a:highlight>
-                <a:latin typeface="Google Sans"/>
-                <a:ea typeface="Google Sans"/>
-                <a:cs typeface="Google Sans"/>
-                <a:sym typeface="Google Sans"/>
-              </a:rPr>
-              <a:t>This model helps predict whether an employee will leave and identify which factors are most influential. These insights can help HR make decisions to improve employee retention.</a:t>
-            </a:r>
-            <a:endParaRPr b="1">
-              <a:latin typeface="Google Sans"/>
-              <a:ea typeface="Google Sans"/>
-              <a:cs typeface="Google Sans"/>
-              <a:sym typeface="Google Sans"/>
-            </a:endParaRPr>
-          </a:p>
-        </p:txBody>
-      </p:sp>
-      <p:sp>
-        <p:nvSpPr>
-          <p:cNvPr id="198" name="Google Shape;198;p8"/>
-          <p:cNvSpPr txBox="1"/>
-          <p:nvPr/>
-        </p:nvSpPr>
-        <p:spPr>
-          <a:xfrm>
-            <a:off x="100575" y="7770725"/>
-            <a:ext cx="7058100" cy="2106300"/>
-          </a:xfrm>
-          <a:prstGeom prst="rect">
-            <a:avLst/>
-          </a:prstGeom>
-          <a:noFill/>
-          <a:ln>
-            <a:noFill/>
-          </a:ln>
-        </p:spPr>
-        <p:txBody>
-          <a:bodyPr spcFirstLastPara="1" wrap="square" lIns="91425" tIns="91425" rIns="91425" bIns="91425" anchor="t" anchorCtr="0">
-            <a:spAutoFit/>
-          </a:bodyPr>
-          <a:lstStyle/>
-          <a:p>
-            <a:pPr marL="457200" lvl="0" indent="-298450" algn="l" rtl="0">
-              <a:lnSpc>
-                <a:spcPct val="115000"/>
-              </a:lnSpc>
-              <a:spcBef>
-                <a:spcPts val="600"/>
-              </a:spcBef>
-              <a:spcAft>
-                <a:spcPts val="0"/>
-              </a:spcAft>
-              <a:buClr>
-                <a:schemeClr val="accent2"/>
-              </a:buClr>
-              <a:buSzPts val="1100"/>
-              <a:buFont typeface="Google Sans"/>
-              <a:buChar char="●"/>
-            </a:pPr>
-            <a:r>
-              <a:rPr lang="en" sz="1100">
-                <a:solidFill>
-                  <a:schemeClr val="accent2"/>
-                </a:solidFill>
-                <a:highlight>
-                  <a:srgbClr val="FFFFFF"/>
-                </a:highlight>
-                <a:latin typeface="Google Sans"/>
-                <a:ea typeface="Google Sans"/>
-                <a:cs typeface="Google Sans"/>
-                <a:sym typeface="Google Sans"/>
-              </a:rPr>
-              <a:t>Cap the number of projects that employees can work on.</a:t>
-            </a:r>
-            <a:endParaRPr sz="1100">
-              <a:solidFill>
-                <a:schemeClr val="accent2"/>
-              </a:solidFill>
-              <a:highlight>
-                <a:srgbClr val="FFFFFF"/>
-              </a:highlight>
-              <a:latin typeface="Google Sans"/>
-              <a:ea typeface="Google Sans"/>
-              <a:cs typeface="Google Sans"/>
-              <a:sym typeface="Google Sans"/>
-            </a:endParaRPr>
-          </a:p>
-          <a:p>
-            <a:pPr marL="457200" lvl="0" indent="-298450" algn="l" rtl="0">
-              <a:lnSpc>
-                <a:spcPct val="115000"/>
-              </a:lnSpc>
-              <a:spcBef>
-                <a:spcPts val="0"/>
-              </a:spcBef>
-              <a:spcAft>
-                <a:spcPts val="0"/>
-              </a:spcAft>
-              <a:buClr>
-                <a:schemeClr val="accent2"/>
-              </a:buClr>
-              <a:buSzPts val="1100"/>
-              <a:buFont typeface="Google Sans"/>
-              <a:buChar char="●"/>
-            </a:pPr>
-            <a:r>
-              <a:rPr lang="en" sz="1100">
-                <a:solidFill>
-                  <a:schemeClr val="accent2"/>
-                </a:solidFill>
-                <a:highlight>
-                  <a:srgbClr val="FFFFFF"/>
-                </a:highlight>
-                <a:latin typeface="Google Sans"/>
-                <a:ea typeface="Google Sans"/>
-                <a:cs typeface="Google Sans"/>
-                <a:sym typeface="Google Sans"/>
-              </a:rPr>
-              <a:t>Consider promoting employees who have been with the company for at least four years, or conduct further investigation about why four-year tenured employees are so dissatisfied.</a:t>
-            </a:r>
-            <a:endParaRPr sz="1100">
-              <a:solidFill>
-                <a:schemeClr val="accent2"/>
-              </a:solidFill>
-              <a:highlight>
-                <a:srgbClr val="FFFFFF"/>
-              </a:highlight>
-              <a:latin typeface="Google Sans"/>
-              <a:ea typeface="Google Sans"/>
-              <a:cs typeface="Google Sans"/>
-              <a:sym typeface="Google Sans"/>
-            </a:endParaRPr>
-          </a:p>
-          <a:p>
-            <a:pPr marL="457200" lvl="0" indent="-298450" algn="l" rtl="0">
-              <a:lnSpc>
-                <a:spcPct val="115000"/>
-              </a:lnSpc>
-              <a:spcBef>
-                <a:spcPts val="0"/>
-              </a:spcBef>
-              <a:spcAft>
-                <a:spcPts val="0"/>
-              </a:spcAft>
-              <a:buClr>
-                <a:schemeClr val="accent2"/>
-              </a:buClr>
-              <a:buSzPts val="1100"/>
-              <a:buFont typeface="Google Sans"/>
-              <a:buChar char="●"/>
-            </a:pPr>
-            <a:r>
-              <a:rPr lang="en" sz="1100">
-                <a:solidFill>
-                  <a:schemeClr val="accent2"/>
-                </a:solidFill>
-                <a:highlight>
-                  <a:srgbClr val="FFFFFF"/>
-                </a:highlight>
-                <a:latin typeface="Google Sans"/>
-                <a:ea typeface="Google Sans"/>
-                <a:cs typeface="Google Sans"/>
-                <a:sym typeface="Google Sans"/>
-              </a:rPr>
-              <a:t>Either reward employees for working longer hours, or don't require them to do so.</a:t>
-            </a:r>
-            <a:endParaRPr sz="1100">
-              <a:solidFill>
-                <a:schemeClr val="accent2"/>
-              </a:solidFill>
-              <a:highlight>
-                <a:srgbClr val="FFFFFF"/>
-              </a:highlight>
-              <a:latin typeface="Google Sans"/>
-              <a:ea typeface="Google Sans"/>
-              <a:cs typeface="Google Sans"/>
-              <a:sym typeface="Google Sans"/>
-            </a:endParaRPr>
-          </a:p>
-          <a:p>
-            <a:pPr marL="457200" lvl="0" indent="-298450" algn="l" rtl="0">
-              <a:lnSpc>
-                <a:spcPct val="115000"/>
-              </a:lnSpc>
-              <a:spcBef>
-                <a:spcPts val="0"/>
-              </a:spcBef>
-              <a:spcAft>
-                <a:spcPts val="0"/>
-              </a:spcAft>
-              <a:buClr>
-                <a:schemeClr val="accent2"/>
-              </a:buClr>
-              <a:buSzPts val="1100"/>
-              <a:buFont typeface="Google Sans"/>
-              <a:buChar char="●"/>
-            </a:pPr>
-            <a:r>
-              <a:rPr lang="en" sz="1100">
-                <a:solidFill>
-                  <a:schemeClr val="accent2"/>
-                </a:solidFill>
-                <a:highlight>
-                  <a:srgbClr val="FFFFFF"/>
-                </a:highlight>
-                <a:latin typeface="Google Sans"/>
-                <a:ea typeface="Google Sans"/>
-                <a:cs typeface="Google Sans"/>
-                <a:sym typeface="Google Sans"/>
-              </a:rPr>
-              <a:t>If employees aren't familiar with the company's overtime pay policies, inform them about this. If the expectations around workload and time off aren't explicit, make them clear.</a:t>
-            </a:r>
-            <a:endParaRPr sz="1100">
-              <a:solidFill>
-                <a:schemeClr val="accent2"/>
-              </a:solidFill>
-              <a:highlight>
-                <a:srgbClr val="FFFFFF"/>
-              </a:highlight>
-              <a:latin typeface="Google Sans"/>
-              <a:ea typeface="Google Sans"/>
-              <a:cs typeface="Google Sans"/>
-              <a:sym typeface="Google Sans"/>
-            </a:endParaRPr>
-          </a:p>
-          <a:p>
-            <a:pPr marL="457200" lvl="0" indent="-298450" algn="l" rtl="0">
-              <a:lnSpc>
-                <a:spcPct val="115000"/>
-              </a:lnSpc>
-              <a:spcBef>
-                <a:spcPts val="0"/>
-              </a:spcBef>
-              <a:spcAft>
-                <a:spcPts val="0"/>
-              </a:spcAft>
-              <a:buClr>
-                <a:schemeClr val="accent2"/>
-              </a:buClr>
-              <a:buSzPts val="1100"/>
-              <a:buFont typeface="Google Sans"/>
-              <a:buChar char="●"/>
-            </a:pPr>
-            <a:r>
-              <a:rPr lang="en" sz="1100">
-                <a:solidFill>
-                  <a:schemeClr val="accent2"/>
-                </a:solidFill>
-                <a:highlight>
-                  <a:srgbClr val="FFFFFF"/>
-                </a:highlight>
-                <a:latin typeface="Google Sans"/>
-                <a:ea typeface="Google Sans"/>
-                <a:cs typeface="Google Sans"/>
-                <a:sym typeface="Google Sans"/>
-              </a:rPr>
-              <a:t>Hold company-wide and within-team discussions to understand and address the company work culture, across the board and in specific contexts.</a:t>
-            </a:r>
-            <a:endParaRPr sz="1100">
-              <a:solidFill>
-                <a:schemeClr val="accent2"/>
-              </a:solidFill>
-              <a:highlight>
-                <a:srgbClr val="FFFFFF"/>
-              </a:highlight>
-              <a:latin typeface="Google Sans"/>
-              <a:ea typeface="Google Sans"/>
-              <a:cs typeface="Google Sans"/>
-              <a:sym typeface="Google Sans"/>
-            </a:endParaRPr>
-          </a:p>
-          <a:p>
-            <a:pPr marL="457200" lvl="0" indent="-298450" algn="l" rtl="0">
-              <a:lnSpc>
-                <a:spcPct val="115000"/>
-              </a:lnSpc>
-              <a:spcBef>
-                <a:spcPts val="0"/>
-              </a:spcBef>
-              <a:spcAft>
-                <a:spcPts val="0"/>
-              </a:spcAft>
-              <a:buClr>
-                <a:schemeClr val="accent2"/>
-              </a:buClr>
-              <a:buSzPts val="1100"/>
-              <a:buFont typeface="Google Sans"/>
-              <a:buChar char="●"/>
-            </a:pPr>
-            <a:r>
-              <a:rPr lang="en" sz="1100">
-                <a:solidFill>
-                  <a:schemeClr val="accent2"/>
-                </a:solidFill>
-                <a:highlight>
-                  <a:srgbClr val="FFFFFF"/>
-                </a:highlight>
-                <a:latin typeface="Google Sans"/>
-                <a:ea typeface="Google Sans"/>
-                <a:cs typeface="Google Sans"/>
-                <a:sym typeface="Google Sans"/>
-              </a:rPr>
-              <a:t>High evaluation scores should not be reserved for employees who work 200+ hours per month. Consider a proportionate scale for rewarding employees who contribute more/put in more effort.</a:t>
-            </a:r>
-            <a:endParaRPr sz="1100" b="1">
-              <a:latin typeface="Google Sans"/>
-              <a:ea typeface="Google Sans"/>
-              <a:cs typeface="Google Sans"/>
-              <a:sym typeface="Google Sans"/>
-            </a:endParaRPr>
-          </a:p>
-        </p:txBody>
-      </p:sp>
-    </p:spTree>
-  </p:cSld>
-  <p:clrMapOvr>
-    <a:masterClrMapping/>
-  </p:clrMapOvr>
-</p:sld>
-</file>
-
-<file path=ppt/slides/slide2.xml><?xml version="1.0" encoding="utf-8"?>
-<p:sld xmlns:a="http://schemas.openxmlformats.org/drawingml/2006/main" xmlns:r="http://schemas.openxmlformats.org/officeDocument/2006/relationships" xmlns:p="http://schemas.openxmlformats.org/presentationml/2006/main">
-  <p:cSld>
-    <p:spTree>
-      <p:nvGrpSpPr>
-        <p:cNvPr id="1" name="Shape 188"/>
-        <p:cNvGrpSpPr/>
-        <p:nvPr/>
-      </p:nvGrpSpPr>
-      <p:grpSpPr>
-        <a:xfrm>
-          <a:off x="0" y="0"/>
-          <a:ext cx="0" cy="0"/>
-          <a:chOff x="0" y="0"/>
-          <a:chExt cx="0" cy="0"/>
-        </a:xfrm>
-      </p:grpSpPr>
-      <p:sp>
-        <p:nvSpPr>
-          <p:cNvPr id="189" name="Google Shape;189;p8"/>
-          <p:cNvSpPr txBox="1"/>
-          <p:nvPr/>
-        </p:nvSpPr>
-        <p:spPr>
-          <a:xfrm>
-            <a:off x="100575" y="1257300"/>
             <a:ext cx="2883300" cy="1292631"/>
           </a:xfrm>
           <a:prstGeom prst="rect">
@@ -10868,7 +9790,7 @@
         </p:nvSpPr>
         <p:spPr>
           <a:xfrm>
-            <a:off x="100" y="67050"/>
+            <a:off x="0" y="37455"/>
             <a:ext cx="7772400" cy="569400"/>
           </a:xfrm>
           <a:prstGeom prst="rect">
@@ -10895,7 +9817,7 @@
               <a:buNone/>
             </a:pPr>
             <a:r>
-              <a:rPr lang="en" sz="2500" b="1">
+              <a:rPr lang="en" sz="2500" b="1" dirty="0">
                 <a:latin typeface="Google Sans"/>
                 <a:ea typeface="Google Sans"/>
                 <a:cs typeface="Google Sans"/>
@@ -10903,7 +9825,7 @@
               </a:rPr>
               <a:t>Salifort Motors</a:t>
             </a:r>
-            <a:endParaRPr sz="2500" b="1">
+            <a:endParaRPr sz="2500" b="1" dirty="0">
               <a:latin typeface="Google Sans"/>
               <a:ea typeface="Google Sans"/>
               <a:cs typeface="Google Sans"/>
@@ -10920,8 +9842,8 @@
         </p:nvSpPr>
         <p:spPr>
           <a:xfrm>
-            <a:off x="1763100" y="490850"/>
-            <a:ext cx="4246200" cy="369300"/>
+            <a:off x="449580" y="390404"/>
+            <a:ext cx="6986728" cy="621678"/>
           </a:xfrm>
           <a:prstGeom prst="rect">
             <a:avLst/>
@@ -10950,15 +9872,34 @@
               <a:buNone/>
             </a:pPr>
             <a:r>
-              <a:rPr lang="en" sz="1200">
+              <a:rPr lang="en" sz="1600" dirty="0">
                 <a:latin typeface="PT Sans Narrow"/>
                 <a:ea typeface="PT Sans Narrow"/>
                 <a:cs typeface="PT Sans Narrow"/>
                 <a:sym typeface="PT Sans Narrow"/>
               </a:rPr>
-              <a:t>Employee Retention Project </a:t>
+              <a:t>Employee Retention Project - View at </a:t>
             </a:r>
-            <a:endParaRPr sz="1200">
+            <a:r>
+              <a:rPr lang="en-PH" sz="1600" dirty="0">
+                <a:latin typeface="PT Sans Narrow"/>
+                <a:ea typeface="PT Sans Narrow"/>
+                <a:cs typeface="PT Sans Narrow"/>
+                <a:sym typeface="PT Sans Narrow"/>
+              </a:rPr>
+              <a:t>my </a:t>
+            </a:r>
+            <a:r>
+              <a:rPr lang="en-PH" sz="1600" dirty="0">
+                <a:latin typeface="PT Sans Narrow"/>
+                <a:ea typeface="PT Sans Narrow"/>
+                <a:cs typeface="PT Sans Narrow"/>
+                <a:sym typeface="PT Sans Narrow"/>
+                <a:hlinkClick r:id="rId3"/>
+              </a:rPr>
+              <a:t>Portfolio</a:t>
+            </a:r>
+            <a:endParaRPr sz="1600" dirty="0">
               <a:solidFill>
                 <a:srgbClr val="000000"/>
               </a:solidFill>
@@ -11126,7 +10067,7 @@
         <p:spPr>
           <a:xfrm>
             <a:off x="100575" y="3108969"/>
-            <a:ext cx="2883300" cy="2031295"/>
+            <a:ext cx="2883300" cy="1846629"/>
           </a:xfrm>
           <a:prstGeom prst="rect">
             <a:avLst/>
@@ -11155,7 +10096,7 @@
                 <a:cs typeface="Google Sans"/>
                 <a:sym typeface="Google Sans"/>
               </a:rPr>
-              <a:t>For a categorical response, the team built a linear regression model, decision tree and random forest. Results were evaluated and the random forest was the champion model. </a:t>
+              <a:t>For a categorical response, a linear regression model, decision tree and random forest were built. Results were evaluated and the random forest was the champion model. </a:t>
             </a:r>
           </a:p>
           <a:p>
@@ -11238,7 +10179,7 @@
                 <a:cs typeface="Google Sans"/>
                 <a:sym typeface="Google Sans"/>
               </a:rPr>
-              <a:t>The random forest model performed great on the test data and is able to predict leavers based on the given data. Feature Importances also give great insight on courses of action to take to retention. </a:t>
+              <a:t>The random forest model performed great on the test data based on various metrics, and is able to predict leavers based on the given data. Feature Importances also give great insight on courses of action to take to retention. </a:t>
             </a:r>
           </a:p>
         </p:txBody>
@@ -11251,8 +10192,8 @@
         </p:nvSpPr>
         <p:spPr>
           <a:xfrm>
-            <a:off x="0" y="7599632"/>
-            <a:ext cx="7058100" cy="2402935"/>
+            <a:off x="47734" y="7625410"/>
+            <a:ext cx="7058100" cy="2305601"/>
           </a:xfrm>
           <a:prstGeom prst="rect">
             <a:avLst/>
@@ -11284,7 +10225,7 @@
               <a:buSzPts val="1100"/>
             </a:pPr>
             <a:r>
-              <a:rPr lang="en-US" sz="1100" b="1" dirty="0">
+              <a:rPr lang="en-US" sz="1050" b="1" dirty="0">
                 <a:solidFill>
                   <a:schemeClr val="accent2"/>
                 </a:solidFill>
@@ -11299,7 +10240,7 @@
               <a:t>Workload</a:t>
             </a:r>
             <a:r>
-              <a:rPr lang="en-US" sz="1100" dirty="0">
+              <a:rPr lang="en-US" sz="1050" dirty="0">
                 <a:solidFill>
                   <a:schemeClr val="accent2"/>
                 </a:solidFill>
@@ -11331,7 +10272,7 @@
               <a:buSzPts val="1100"/>
             </a:pPr>
             <a:r>
-              <a:rPr lang="en-US" sz="1100" dirty="0">
+              <a:rPr lang="en-US" sz="1050" dirty="0">
                 <a:solidFill>
                   <a:schemeClr val="accent2"/>
                 </a:solidFill>
@@ -11363,7 +10304,7 @@
               <a:buSzPts val="1100"/>
             </a:pPr>
             <a:r>
-              <a:rPr lang="en-US" sz="1100" dirty="0">
+              <a:rPr lang="en-US" sz="1050" dirty="0">
                 <a:solidFill>
                   <a:schemeClr val="accent2"/>
                 </a:solidFill>
@@ -11395,7 +10336,7 @@
               <a:buSzPts val="1100"/>
             </a:pPr>
             <a:r>
-              <a:rPr lang="en-US" sz="1100" dirty="0">
+              <a:rPr lang="en-US" sz="1050" dirty="0">
                 <a:solidFill>
                   <a:schemeClr val="accent2"/>
                 </a:solidFill>
@@ -11427,7 +10368,7 @@
               <a:buSzPts val="1100"/>
             </a:pPr>
             <a:r>
-              <a:rPr lang="en-US" sz="1100" dirty="0">
+              <a:rPr lang="en-US" sz="1050" dirty="0">
                 <a:solidFill>
                   <a:schemeClr val="accent2"/>
                 </a:solidFill>
@@ -11459,7 +10400,7 @@
               <a:buSzPts val="1100"/>
             </a:pPr>
             <a:r>
-              <a:rPr lang="en-US" sz="1100" b="1" dirty="0">
+              <a:rPr lang="en-US" sz="1050" b="1" dirty="0">
                 <a:solidFill>
                   <a:schemeClr val="accent2"/>
                 </a:solidFill>
@@ -11474,7 +10415,7 @@
               <a:t>Evaluation</a:t>
             </a:r>
             <a:r>
-              <a:rPr lang="en-US" sz="1100" dirty="0">
+              <a:rPr lang="en-US" sz="1050" dirty="0">
                 <a:solidFill>
                   <a:schemeClr val="accent2"/>
                 </a:solidFill>
@@ -11506,7 +10447,7 @@
               <a:buSzPts val="1100"/>
             </a:pPr>
             <a:r>
-              <a:rPr lang="en-US" sz="1100" dirty="0">
+              <a:rPr lang="en-US" sz="1050" dirty="0">
                 <a:solidFill>
                   <a:schemeClr val="accent2"/>
                 </a:solidFill>
@@ -11521,7 +10462,7 @@
               <a:t>- Avoid reserving high evaluation for 200+ </a:t>
             </a:r>
             <a:r>
-              <a:rPr lang="en-US" sz="1100" dirty="0" err="1">
+              <a:rPr lang="en-US" sz="1050" dirty="0" err="1">
                 <a:solidFill>
                   <a:schemeClr val="accent2"/>
                 </a:solidFill>
@@ -11536,7 +10477,7 @@
               <a:t>hrs</a:t>
             </a:r>
             <a:r>
-              <a:rPr lang="en-US" sz="1100" dirty="0">
+              <a:rPr lang="en-US" sz="1050" dirty="0">
                 <a:solidFill>
                   <a:schemeClr val="accent2"/>
                 </a:solidFill>
@@ -11568,7 +10509,7 @@
               <a:buSzPts val="1100"/>
             </a:pPr>
             <a:r>
-              <a:rPr lang="en-US" sz="1100" dirty="0">
+              <a:rPr lang="en-US" sz="1050" dirty="0">
                 <a:solidFill>
                   <a:schemeClr val="accent2"/>
                 </a:solidFill>
@@ -11600,7 +10541,7 @@
               <a:buSzPts val="1100"/>
             </a:pPr>
             <a:r>
-              <a:rPr lang="en-US" sz="1100" b="1" dirty="0">
+              <a:rPr lang="en-US" sz="1050" b="1" dirty="0">
                 <a:solidFill>
                   <a:schemeClr val="accent2"/>
                 </a:solidFill>
@@ -11615,7 +10556,7 @@
               <a:t>Identify Causes </a:t>
             </a:r>
             <a:r>
-              <a:rPr lang="en-US" sz="1100" dirty="0">
+              <a:rPr lang="en-US" sz="1050" dirty="0">
                 <a:solidFill>
                   <a:schemeClr val="accent2"/>
                 </a:solidFill>
@@ -11647,7 +10588,7 @@
               <a:buSzPts val="1100"/>
             </a:pPr>
             <a:r>
-              <a:rPr lang="en-US" sz="1100" dirty="0">
+              <a:rPr lang="en-US" sz="1050" dirty="0">
                 <a:solidFill>
                   <a:schemeClr val="accent2"/>
                 </a:solidFill>
@@ -11679,7 +10620,7 @@
               <a:buSzPts val="1100"/>
             </a:pPr>
             <a:r>
-              <a:rPr lang="en-US" sz="1100" dirty="0">
+              <a:rPr lang="en-US" sz="1050" dirty="0">
                 <a:solidFill>
                   <a:schemeClr val="accent2"/>
                 </a:solidFill>
@@ -11693,7 +10634,7 @@
               </a:rPr>
               <a:t>- Conduct internal surveys, FGDs and team meetings to check on employees workload and well-being.</a:t>
             </a:r>
-            <a:endParaRPr lang="en-US" sz="1100" b="1" dirty="0">
+            <a:endParaRPr lang="en-US" sz="1050" b="1" dirty="0">
               <a:latin typeface="Google Sans"/>
               <a:ea typeface="Google Sans"/>
               <a:cs typeface="Google Sans"/>
@@ -11717,7 +10658,7 @@
           <p:nvPr/>
         </p:nvPicPr>
         <p:blipFill>
-          <a:blip r:embed="rId3"/>
+          <a:blip r:embed="rId4"/>
           <a:stretch>
             <a:fillRect/>
           </a:stretch>
@@ -11747,7 +10688,7 @@
           <p:nvPr/>
         </p:nvPicPr>
         <p:blipFill>
-          <a:blip r:embed="rId4"/>
+          <a:blip r:embed="rId5"/>
           <a:stretch>
             <a:fillRect/>
           </a:stretch>
